--- a/visio/2017.07.04魚骨圖v2.pptx
+++ b/visio/2017.07.04魚骨圖v2.pptx
@@ -2984,29 +2984,20 @@
           <a:prstGeom prst="flowChartDelay">
             <a:avLst/>
           </a:prstGeom>
-          <a:solidFill>
-            <a:schemeClr val="accent1"/>
-          </a:solidFill>
-          <a:ln>
-            <a:solidFill>
-              <a:schemeClr val="accent1"/>
-            </a:solidFill>
-          </a:ln>
+          <a:ln/>
         </p:spPr>
         <p:style>
           <a:lnRef idx="2">
-            <a:schemeClr val="accent1">
-              <a:shade val="50000"/>
-            </a:schemeClr>
+            <a:schemeClr val="dk1"/>
           </a:lnRef>
           <a:fillRef idx="1">
-            <a:schemeClr val="accent1"/>
+            <a:schemeClr val="lt1"/>
           </a:fillRef>
           <a:effectRef idx="0">
-            <a:schemeClr val="accent1"/>
+            <a:schemeClr val="dk1"/>
           </a:effectRef>
           <a:fontRef idx="minor">
-            <a:schemeClr val="lt1"/>
+            <a:schemeClr val="dk1"/>
           </a:fontRef>
         </p:style>
         <p:txBody>
@@ -3052,18 +3043,16 @@
         </p:spPr>
         <p:style>
           <a:lnRef idx="2">
-            <a:schemeClr val="accent1">
-              <a:shade val="50000"/>
-            </a:schemeClr>
+            <a:schemeClr val="dk1"/>
           </a:lnRef>
           <a:fillRef idx="1">
-            <a:schemeClr val="accent1"/>
+            <a:schemeClr val="lt1"/>
           </a:fillRef>
           <a:effectRef idx="0">
-            <a:schemeClr val="accent1"/>
+            <a:schemeClr val="dk1"/>
           </a:effectRef>
           <a:fontRef idx="minor">
-            <a:schemeClr val="lt1"/>
+            <a:schemeClr val="dk1"/>
           </a:fontRef>
         </p:style>
         <p:txBody>
@@ -3094,17 +3083,17 @@
           </a:prstGeom>
         </p:spPr>
         <p:style>
-          <a:lnRef idx="1">
-            <a:schemeClr val="accent1"/>
+          <a:lnRef idx="2">
+            <a:schemeClr val="dk1"/>
           </a:lnRef>
-          <a:fillRef idx="0">
-            <a:schemeClr val="accent1"/>
+          <a:fillRef idx="1">
+            <a:schemeClr val="lt1"/>
           </a:fillRef>
           <a:effectRef idx="0">
-            <a:schemeClr val="accent1"/>
+            <a:schemeClr val="dk1"/>
           </a:effectRef>
           <a:fontRef idx="minor">
-            <a:schemeClr val="tx1"/>
+            <a:schemeClr val="dk1"/>
           </a:fontRef>
         </p:style>
       </p:cxnSp>
@@ -3207,14 +3196,7 @@
                 <a:latin typeface="Times New Roman" panose="02020603050405020304" pitchFamily="18" charset="0"/>
                 <a:ea typeface="SimSun" panose="02010600030101010101" pitchFamily="2" charset="-122"/>
               </a:rPr>
-              <a:t>信息安全</a:t>
-            </a:r>
-            <a:r>
-              <a:rPr lang="zh-TW" altLang="en-US" sz="2800" smtClean="0">
-                <a:latin typeface="Times New Roman" panose="02020603050405020304" pitchFamily="18" charset="0"/>
-                <a:ea typeface="SimSun" panose="02010600030101010101" pitchFamily="2" charset="-122"/>
-              </a:rPr>
-              <a:t>技术</a:t>
+              <a:t>信息安全技术</a:t>
             </a:r>
             <a:endParaRPr lang="zh-TW" altLang="en-US" sz="2800" dirty="0">
               <a:latin typeface="Times New Roman" panose="02020603050405020304" pitchFamily="18" charset="0"/>
@@ -3543,7 +3525,7 @@
           <a:lstStyle/>
           <a:p>
             <a:r>
-              <a:rPr lang="zh-TW" altLang="en-US" sz="2000" smtClean="0">
+              <a:rPr lang="zh-TW" altLang="en-US" sz="2000" dirty="0" smtClean="0">
                 <a:latin typeface="Times New Roman" panose="02020603050405020304" pitchFamily="18" charset="0"/>
                 <a:ea typeface="SimSun" panose="02010600030101010101" pitchFamily="2" charset="-122"/>
               </a:rPr>
@@ -3617,14 +3599,7 @@
                 <a:latin typeface="Times New Roman" panose="02020603050405020304" pitchFamily="18" charset="0"/>
                 <a:ea typeface="SimSun" panose="02010600030101010101" pitchFamily="2" charset="-122"/>
               </a:rPr>
-              <a:t>个人信息</a:t>
-            </a:r>
-            <a:r>
-              <a:rPr lang="zh-TW" altLang="en-US" sz="2000" smtClean="0">
-                <a:latin typeface="Times New Roman" panose="02020603050405020304" pitchFamily="18" charset="0"/>
-                <a:ea typeface="SimSun" panose="02010600030101010101" pitchFamily="2" charset="-122"/>
-              </a:rPr>
-              <a:t>去识别化安全</a:t>
+              <a:t>个人信息去识别化安全</a:t>
             </a:r>
             <a:endParaRPr lang="zh-TW" altLang="en-US" sz="2000" dirty="0">
               <a:latin typeface="Times New Roman" panose="02020603050405020304" pitchFamily="18" charset="0"/>
@@ -3774,14 +3749,7 @@
                 <a:latin typeface="Times New Roman" panose="02020603050405020304" pitchFamily="18" charset="0"/>
                 <a:ea typeface="SimSun" panose="02010600030101010101" pitchFamily="2" charset="-122"/>
               </a:rPr>
-              <a:t>Android </a:t>
-            </a:r>
-            <a:r>
-              <a:rPr lang="en-US" altLang="zh-TW" sz="2000" smtClean="0">
-                <a:latin typeface="Times New Roman" panose="02020603050405020304" pitchFamily="18" charset="0"/>
-                <a:ea typeface="SimSun" panose="02010600030101010101" pitchFamily="2" charset="-122"/>
-              </a:rPr>
-              <a:t>Beam</a:t>
+              <a:t>Android Beam</a:t>
             </a:r>
             <a:r>
               <a:rPr lang="zh-TW" altLang="en-US" sz="2000" smtClean="0">
@@ -5153,28 +5121,14 @@
                   <a:latin typeface="Times New Roman" panose="02020603050405020304" pitchFamily="18" charset="0"/>
                   <a:ea typeface="標楷體" panose="03000509000000000000" pitchFamily="65" charset="-120"/>
                 </a:rPr>
-                <a:t>10</a:t>
-              </a:r>
-              <a:r>
-                <a:rPr lang="en-US" altLang="zh-TW" sz="1400" dirty="0" smtClean="0">
-                  <a:latin typeface="Times New Roman" panose="02020603050405020304" pitchFamily="18" charset="0"/>
-                  <a:ea typeface="標楷體" panose="03000509000000000000" pitchFamily="65" charset="-120"/>
-                </a:rPr>
-                <a:t>.</a:t>
+                <a:t>10.</a:t>
               </a:r>
               <a:r>
                 <a:rPr lang="zh-TW" altLang="en-US" sz="1400" dirty="0" smtClean="0">
                   <a:latin typeface="Times New Roman" panose="02020603050405020304" pitchFamily="18" charset="0"/>
                   <a:ea typeface="標楷體" panose="03000509000000000000" pitchFamily="65" charset="-120"/>
                 </a:rPr>
-                <a:t>數據庫加</a:t>
-              </a:r>
-              <a:r>
-                <a:rPr lang="zh-TW" altLang="en-US" sz="1400" dirty="0" smtClean="0">
-                  <a:latin typeface="Times New Roman" panose="02020603050405020304" pitchFamily="18" charset="0"/>
-                  <a:ea typeface="標楷體" panose="03000509000000000000" pitchFamily="65" charset="-120"/>
-                </a:rPr>
-                <a:t>密</a:t>
+                <a:t>數據庫加密</a:t>
               </a:r>
               <a:endParaRPr lang="en-US" altLang="zh-TW" sz="1400" dirty="0" smtClean="0">
                 <a:latin typeface="Times New Roman" panose="02020603050405020304" pitchFamily="18" charset="0"/>

--- a/visio/2017.07.04魚骨圖v2.pptx
+++ b/visio/2017.07.04魚骨圖v2.pptx
@@ -244,7 +244,7 @@
           <a:p>
             <a:fld id="{6E0D973A-CAE9-470B-B4B7-5C9B3EEC771A}" type="datetimeFigureOut">
               <a:rPr lang="zh-TW" altLang="en-US" smtClean="0"/>
-              <a:t>2018/3/16</a:t>
+              <a:t>2018/4/4</a:t>
             </a:fld>
             <a:endParaRPr lang="zh-TW" altLang="en-US"/>
           </a:p>
@@ -414,7 +414,7 @@
           <a:p>
             <a:fld id="{6E0D973A-CAE9-470B-B4B7-5C9B3EEC771A}" type="datetimeFigureOut">
               <a:rPr lang="zh-TW" altLang="en-US" smtClean="0"/>
-              <a:t>2018/3/16</a:t>
+              <a:t>2018/4/4</a:t>
             </a:fld>
             <a:endParaRPr lang="zh-TW" altLang="en-US"/>
           </a:p>
@@ -594,7 +594,7 @@
           <a:p>
             <a:fld id="{6E0D973A-CAE9-470B-B4B7-5C9B3EEC771A}" type="datetimeFigureOut">
               <a:rPr lang="zh-TW" altLang="en-US" smtClean="0"/>
-              <a:t>2018/3/16</a:t>
+              <a:t>2018/4/4</a:t>
             </a:fld>
             <a:endParaRPr lang="zh-TW" altLang="en-US"/>
           </a:p>
@@ -764,7 +764,7 @@
           <a:p>
             <a:fld id="{6E0D973A-CAE9-470B-B4B7-5C9B3EEC771A}" type="datetimeFigureOut">
               <a:rPr lang="zh-TW" altLang="en-US" smtClean="0"/>
-              <a:t>2018/3/16</a:t>
+              <a:t>2018/4/4</a:t>
             </a:fld>
             <a:endParaRPr lang="zh-TW" altLang="en-US"/>
           </a:p>
@@ -1010,7 +1010,7 @@
           <a:p>
             <a:fld id="{6E0D973A-CAE9-470B-B4B7-5C9B3EEC771A}" type="datetimeFigureOut">
               <a:rPr lang="zh-TW" altLang="en-US" smtClean="0"/>
-              <a:t>2018/3/16</a:t>
+              <a:t>2018/4/4</a:t>
             </a:fld>
             <a:endParaRPr lang="zh-TW" altLang="en-US"/>
           </a:p>
@@ -1242,7 +1242,7 @@
           <a:p>
             <a:fld id="{6E0D973A-CAE9-470B-B4B7-5C9B3EEC771A}" type="datetimeFigureOut">
               <a:rPr lang="zh-TW" altLang="en-US" smtClean="0"/>
-              <a:t>2018/3/16</a:t>
+              <a:t>2018/4/4</a:t>
             </a:fld>
             <a:endParaRPr lang="zh-TW" altLang="en-US"/>
           </a:p>
@@ -1609,7 +1609,7 @@
           <a:p>
             <a:fld id="{6E0D973A-CAE9-470B-B4B7-5C9B3EEC771A}" type="datetimeFigureOut">
               <a:rPr lang="zh-TW" altLang="en-US" smtClean="0"/>
-              <a:t>2018/3/16</a:t>
+              <a:t>2018/4/4</a:t>
             </a:fld>
             <a:endParaRPr lang="zh-TW" altLang="en-US"/>
           </a:p>
@@ -1727,7 +1727,7 @@
           <a:p>
             <a:fld id="{6E0D973A-CAE9-470B-B4B7-5C9B3EEC771A}" type="datetimeFigureOut">
               <a:rPr lang="zh-TW" altLang="en-US" smtClean="0"/>
-              <a:t>2018/3/16</a:t>
+              <a:t>2018/4/4</a:t>
             </a:fld>
             <a:endParaRPr lang="zh-TW" altLang="en-US"/>
           </a:p>
@@ -1822,7 +1822,7 @@
           <a:p>
             <a:fld id="{6E0D973A-CAE9-470B-B4B7-5C9B3EEC771A}" type="datetimeFigureOut">
               <a:rPr lang="zh-TW" altLang="en-US" smtClean="0"/>
-              <a:t>2018/3/16</a:t>
+              <a:t>2018/4/4</a:t>
             </a:fld>
             <a:endParaRPr lang="zh-TW" altLang="en-US"/>
           </a:p>
@@ -2099,7 +2099,7 @@
           <a:p>
             <a:fld id="{6E0D973A-CAE9-470B-B4B7-5C9B3EEC771A}" type="datetimeFigureOut">
               <a:rPr lang="zh-TW" altLang="en-US" smtClean="0"/>
-              <a:t>2018/3/16</a:t>
+              <a:t>2018/4/4</a:t>
             </a:fld>
             <a:endParaRPr lang="zh-TW" altLang="en-US"/>
           </a:p>
@@ -2352,7 +2352,7 @@
           <a:p>
             <a:fld id="{6E0D973A-CAE9-470B-B4B7-5C9B3EEC771A}" type="datetimeFigureOut">
               <a:rPr lang="zh-TW" altLang="en-US" smtClean="0"/>
-              <a:t>2018/3/16</a:t>
+              <a:t>2018/4/4</a:t>
             </a:fld>
             <a:endParaRPr lang="zh-TW" altLang="en-US"/>
           </a:p>
@@ -2565,7 +2565,7 @@
           <a:p>
             <a:fld id="{6E0D973A-CAE9-470B-B4B7-5C9B3EEC771A}" type="datetimeFigureOut">
               <a:rPr lang="zh-TW" altLang="en-US" smtClean="0"/>
-              <a:t>2018/3/16</a:t>
+              <a:t>2018/4/4</a:t>
             </a:fld>
             <a:endParaRPr lang="zh-TW" altLang="en-US"/>
           </a:p>
@@ -3006,20 +3006,13 @@
           <a:p>
             <a:pPr algn="ctr"/>
             <a:r>
-              <a:rPr lang="zh-CN" altLang="en-US" sz="2800" dirty="0" smtClean="0">
+              <a:rPr lang="zh-CN" altLang="en-US" sz="2400" dirty="0">
                 <a:latin typeface="Times New Roman" panose="02020603050405020304" pitchFamily="18" charset="0"/>
                 <a:ea typeface="SimSun" panose="02010600030101010101" pitchFamily="2" charset="-122"/>
               </a:rPr>
-              <a:t>区</a:t>
-            </a:r>
-            <a:r>
-              <a:rPr lang="zh-CN" altLang="en-US" sz="2800" dirty="0">
-                <a:latin typeface="Times New Roman" panose="02020603050405020304" pitchFamily="18" charset="0"/>
-                <a:ea typeface="SimSun" panose="02010600030101010101" pitchFamily="2" charset="-122"/>
-              </a:rPr>
-              <a:t>块链的实名交易监督系统</a:t>
-            </a:r>
-            <a:endParaRPr lang="zh-TW" altLang="zh-TW" sz="2800" dirty="0">
+              <a:t>比特币的交易监督系统</a:t>
+            </a:r>
+            <a:endParaRPr lang="zh-TW" altLang="zh-TW" sz="2400" dirty="0">
               <a:latin typeface="Times New Roman" panose="02020603050405020304" pitchFamily="18" charset="0"/>
               <a:ea typeface="SimSun" panose="02010600030101010101" pitchFamily="2" charset="-122"/>
             </a:endParaRPr>
@@ -3100,15 +3093,13 @@
       <p:cxnSp>
         <p:nvCxnSpPr>
           <p:cNvPr id="7" name="直線接點 6"/>
-          <p:cNvCxnSpPr>
-            <a:stCxn id="17" idx="2"/>
-          </p:cNvCxnSpPr>
+          <p:cNvCxnSpPr/>
           <p:nvPr/>
         </p:nvCxnSpPr>
         <p:spPr>
           <a:xfrm>
-            <a:off x="7532827" y="1285969"/>
-            <a:ext cx="1239600" cy="2262551"/>
+            <a:off x="7454245" y="1224414"/>
+            <a:ext cx="1393488" cy="2324106"/>
           </a:xfrm>
           <a:prstGeom prst="line">
             <a:avLst/>
@@ -3173,7 +3164,7 @@
         <p:spPr>
           <a:xfrm>
             <a:off x="6363276" y="762749"/>
-            <a:ext cx="2339102" cy="523220"/>
+            <a:ext cx="2031325" cy="461665"/>
           </a:xfrm>
           <a:prstGeom prst="rect">
             <a:avLst/>
@@ -3191,14 +3182,15 @@
           </a:bodyPr>
           <a:lstStyle/>
           <a:p>
-            <a:r>
-              <a:rPr lang="zh-TW" altLang="en-US" sz="2800" smtClean="0">
+            <a:pPr algn="ctr"/>
+            <a:r>
+              <a:rPr lang="zh-TW" altLang="en-US" sz="2400" dirty="0" smtClean="0">
                 <a:latin typeface="Times New Roman" panose="02020603050405020304" pitchFamily="18" charset="0"/>
                 <a:ea typeface="SimSun" panose="02010600030101010101" pitchFamily="2" charset="-122"/>
               </a:rPr>
               <a:t>信息安全技术</a:t>
             </a:r>
-            <a:endParaRPr lang="zh-TW" altLang="en-US" sz="2800" dirty="0">
+            <a:endParaRPr lang="zh-TW" altLang="en-US" sz="2400" dirty="0">
               <a:latin typeface="Times New Roman" panose="02020603050405020304" pitchFamily="18" charset="0"/>
               <a:ea typeface="SimSun" panose="02010600030101010101" pitchFamily="2" charset="-122"/>
             </a:endParaRPr>
@@ -3214,7 +3206,7 @@
         <p:spPr>
           <a:xfrm>
             <a:off x="4864963" y="5465039"/>
-            <a:ext cx="2339102" cy="523220"/>
+            <a:ext cx="2031325" cy="461665"/>
           </a:xfrm>
           <a:prstGeom prst="rect">
             <a:avLst/>
@@ -3232,14 +3224,15 @@
           </a:bodyPr>
           <a:lstStyle/>
           <a:p>
-            <a:r>
-              <a:rPr lang="zh-TW" altLang="en-US" sz="2800" smtClean="0">
+            <a:pPr algn="ctr"/>
+            <a:r>
+              <a:rPr lang="zh-TW" altLang="en-US" sz="2400" dirty="0" smtClean="0">
                 <a:latin typeface="Times New Roman" panose="02020603050405020304" pitchFamily="18" charset="0"/>
                 <a:ea typeface="SimSun" panose="02010600030101010101" pitchFamily="2" charset="-122"/>
               </a:rPr>
               <a:t>加密货币钱包</a:t>
             </a:r>
-            <a:endParaRPr lang="zh-TW" altLang="en-US" sz="2800" dirty="0">
+            <a:endParaRPr lang="zh-TW" altLang="en-US" sz="2400" dirty="0">
               <a:latin typeface="Times New Roman" panose="02020603050405020304" pitchFamily="18" charset="0"/>
               <a:ea typeface="SimSun" panose="02010600030101010101" pitchFamily="2" charset="-122"/>
             </a:endParaRPr>
@@ -3255,7 +3248,7 @@
         <p:spPr>
           <a:xfrm>
             <a:off x="3322296" y="768582"/>
-            <a:ext cx="2339102" cy="523220"/>
+            <a:ext cx="2031325" cy="461665"/>
           </a:xfrm>
           <a:prstGeom prst="rect">
             <a:avLst/>
@@ -3273,14 +3266,15 @@
           </a:bodyPr>
           <a:lstStyle/>
           <a:p>
-            <a:r>
-              <a:rPr lang="zh-TW" altLang="en-US" sz="2800" smtClean="0">
+            <a:pPr algn="ctr"/>
+            <a:r>
+              <a:rPr lang="zh-TW" altLang="en-US" sz="2400" dirty="0" smtClean="0">
                 <a:latin typeface="Times New Roman" panose="02020603050405020304" pitchFamily="18" charset="0"/>
                 <a:ea typeface="SimSun" panose="02010600030101010101" pitchFamily="2" charset="-122"/>
               </a:rPr>
               <a:t>近场通讯技术</a:t>
             </a:r>
-            <a:endParaRPr lang="zh-TW" altLang="en-US" sz="2800" dirty="0">
+            <a:endParaRPr lang="zh-TW" altLang="en-US" sz="2400" dirty="0">
               <a:latin typeface="Times New Roman" panose="02020603050405020304" pitchFamily="18" charset="0"/>
               <a:ea typeface="SimSun" panose="02010600030101010101" pitchFamily="2" charset="-122"/>
             </a:endParaRPr>
@@ -3296,7 +3290,7 @@
         <p:spPr>
           <a:xfrm>
             <a:off x="1485227" y="5447614"/>
-            <a:ext cx="1483884" cy="523220"/>
+            <a:ext cx="1483884" cy="461665"/>
           </a:xfrm>
           <a:prstGeom prst="rect">
             <a:avLst/>
@@ -3314,14 +3308,15 @@
           </a:bodyPr>
           <a:lstStyle/>
           <a:p>
-            <a:r>
-              <a:rPr lang="zh-TW" altLang="en-US" sz="2800" smtClean="0">
+            <a:pPr algn="ctr"/>
+            <a:r>
+              <a:rPr lang="zh-TW" altLang="en-US" sz="2400" dirty="0" smtClean="0">
                 <a:latin typeface="Times New Roman" panose="02020603050405020304" pitchFamily="18" charset="0"/>
                 <a:ea typeface="SimSun" panose="02010600030101010101" pitchFamily="2" charset="-122"/>
               </a:rPr>
               <a:t>数据库</a:t>
             </a:r>
-            <a:endParaRPr lang="en-US" altLang="zh-TW" sz="2800" dirty="0" smtClean="0">
+            <a:endParaRPr lang="en-US" altLang="zh-TW" sz="2400" dirty="0" smtClean="0">
               <a:latin typeface="Times New Roman" panose="02020603050405020304" pitchFamily="18" charset="0"/>
               <a:ea typeface="SimSun" panose="02010600030101010101" pitchFamily="2" charset="-122"/>
             </a:endParaRPr>
@@ -3331,15 +3326,13 @@
       <p:cxnSp>
         <p:nvCxnSpPr>
           <p:cNvPr id="26" name="直線接點 25"/>
-          <p:cNvCxnSpPr>
-            <a:stCxn id="21" idx="2"/>
-          </p:cNvCxnSpPr>
+          <p:cNvCxnSpPr/>
           <p:nvPr/>
         </p:nvCxnSpPr>
         <p:spPr>
           <a:xfrm>
-            <a:off x="4491847" y="1291802"/>
-            <a:ext cx="1318459" cy="2266042"/>
+            <a:off x="4402507" y="1230247"/>
+            <a:ext cx="1472347" cy="2327597"/>
           </a:xfrm>
           <a:prstGeom prst="line">
             <a:avLst/>
@@ -3419,6 +3412,7 @@
           </a:bodyPr>
           <a:lstStyle/>
           <a:p>
+            <a:pPr algn="ctr"/>
             <a:r>
               <a:rPr lang="zh-TW" altLang="en-US" sz="2000" smtClean="0">
                 <a:latin typeface="Times New Roman" panose="02020603050405020304" pitchFamily="18" charset="0"/>
@@ -3454,6 +3448,7 @@
           </a:bodyPr>
           <a:lstStyle/>
           <a:p>
+            <a:pPr algn="ctr"/>
             <a:r>
               <a:rPr lang="zh-TW" altLang="en-US" sz="2000" smtClean="0">
                 <a:latin typeface="Times New Roman" panose="02020603050405020304" pitchFamily="18" charset="0"/>
@@ -3489,6 +3484,7 @@
           </a:bodyPr>
           <a:lstStyle/>
           <a:p>
+            <a:pPr algn="ctr"/>
             <a:r>
               <a:rPr lang="zh-TW" altLang="en-US" sz="2000" smtClean="0">
                 <a:latin typeface="Times New Roman" panose="02020603050405020304" pitchFamily="18" charset="0"/>
@@ -3524,6 +3520,7 @@
           </a:bodyPr>
           <a:lstStyle/>
           <a:p>
+            <a:pPr algn="ctr"/>
             <a:r>
               <a:rPr lang="zh-TW" altLang="en-US" sz="2000" dirty="0" smtClean="0">
                 <a:latin typeface="Times New Roman" panose="02020603050405020304" pitchFamily="18" charset="0"/>
@@ -3559,6 +3556,7 @@
           </a:bodyPr>
           <a:lstStyle/>
           <a:p>
+            <a:pPr algn="ctr"/>
             <a:r>
               <a:rPr lang="zh-TW" altLang="en-US" sz="2000" smtClean="0">
                 <a:latin typeface="Times New Roman" panose="02020603050405020304" pitchFamily="18" charset="0"/>
@@ -3629,6 +3627,7 @@
           </a:bodyPr>
           <a:lstStyle/>
           <a:p>
+            <a:pPr algn="ctr"/>
             <a:r>
               <a:rPr lang="zh-TW" altLang="en-US" sz="2000" dirty="0" smtClean="0">
                 <a:latin typeface="Times New Roman" panose="02020603050405020304" pitchFamily="18" charset="0"/>
@@ -3692,6 +3691,7 @@
           </a:bodyPr>
           <a:lstStyle/>
           <a:p>
+            <a:pPr algn="ctr"/>
             <a:r>
               <a:rPr lang="zh-TW" altLang="en-US" sz="2000" smtClean="0">
                 <a:latin typeface="Times New Roman" panose="02020603050405020304" pitchFamily="18" charset="0"/>
@@ -3744,15 +3744,16 @@
           </a:bodyPr>
           <a:lstStyle/>
           <a:p>
-            <a:r>
-              <a:rPr lang="en-US" altLang="zh-TW" sz="2000" smtClean="0">
+            <a:pPr algn="ctr"/>
+            <a:r>
+              <a:rPr lang="en-US" altLang="zh-TW" sz="2000" dirty="0" smtClean="0">
                 <a:latin typeface="Times New Roman" panose="02020603050405020304" pitchFamily="18" charset="0"/>
                 <a:ea typeface="SimSun" panose="02010600030101010101" pitchFamily="2" charset="-122"/>
               </a:rPr>
               <a:t>Android Beam</a:t>
             </a:r>
             <a:r>
-              <a:rPr lang="zh-TW" altLang="en-US" sz="2000" smtClean="0">
+              <a:rPr lang="zh-TW" altLang="en-US" sz="2000" dirty="0" smtClean="0">
                 <a:latin typeface="Times New Roman" panose="02020603050405020304" pitchFamily="18" charset="0"/>
                 <a:ea typeface="SimSun" panose="02010600030101010101" pitchFamily="2" charset="-122"/>
               </a:rPr>
@@ -3786,6 +3787,7 @@
           </a:bodyPr>
           <a:lstStyle/>
           <a:p>
+            <a:pPr algn="ctr"/>
             <a:r>
               <a:rPr lang="zh-TW" altLang="en-US" sz="2000" smtClean="0">
                 <a:latin typeface="Times New Roman" panose="02020603050405020304" pitchFamily="18" charset="0"/>
@@ -3821,6 +3823,7 @@
           </a:bodyPr>
           <a:lstStyle/>
           <a:p>
+            <a:pPr algn="ctr"/>
             <a:r>
               <a:rPr lang="zh-TW" altLang="en-US" sz="2000" smtClean="0">
                 <a:latin typeface="Times New Roman" panose="02020603050405020304" pitchFamily="18" charset="0"/>
@@ -3856,6 +3859,7 @@
           </a:bodyPr>
           <a:lstStyle/>
           <a:p>
+            <a:pPr algn="ctr"/>
             <a:r>
               <a:rPr lang="zh-TW" altLang="en-US" sz="2000" smtClean="0">
                 <a:latin typeface="Times New Roman" panose="02020603050405020304" pitchFamily="18" charset="0"/>
@@ -3905,6 +3909,7 @@
           </a:bodyPr>
           <a:lstStyle/>
           <a:p>
+            <a:pPr algn="ctr"/>
             <a:r>
               <a:rPr lang="zh-TW" altLang="en-US" sz="2000" smtClean="0">
                 <a:latin typeface="Times New Roman" panose="02020603050405020304" pitchFamily="18" charset="0"/>
@@ -3940,6 +3945,7 @@
           </a:bodyPr>
           <a:lstStyle/>
           <a:p>
+            <a:pPr algn="ctr"/>
             <a:r>
               <a:rPr lang="zh-TW" altLang="en-US" sz="2000" smtClean="0">
                 <a:latin typeface="Times New Roman" panose="02020603050405020304" pitchFamily="18" charset="0"/>
@@ -3975,6 +3981,7 @@
           </a:bodyPr>
           <a:lstStyle/>
           <a:p>
+            <a:pPr algn="ctr"/>
             <a:r>
               <a:rPr lang="zh-TW" altLang="en-US" sz="2000" smtClean="0">
                 <a:latin typeface="Times New Roman" panose="02020603050405020304" pitchFamily="18" charset="0"/>

--- a/visio/2017.07.04魚骨圖v2.pptx
+++ b/visio/2017.07.04魚骨圖v2.pptx
@@ -244,7 +244,7 @@
           <a:p>
             <a:fld id="{6E0D973A-CAE9-470B-B4B7-5C9B3EEC771A}" type="datetimeFigureOut">
               <a:rPr lang="zh-TW" altLang="en-US" smtClean="0"/>
-              <a:t>2018/4/4</a:t>
+              <a:t>2018/4/9</a:t>
             </a:fld>
             <a:endParaRPr lang="zh-TW" altLang="en-US"/>
           </a:p>
@@ -414,7 +414,7 @@
           <a:p>
             <a:fld id="{6E0D973A-CAE9-470B-B4B7-5C9B3EEC771A}" type="datetimeFigureOut">
               <a:rPr lang="zh-TW" altLang="en-US" smtClean="0"/>
-              <a:t>2018/4/4</a:t>
+              <a:t>2018/4/9</a:t>
             </a:fld>
             <a:endParaRPr lang="zh-TW" altLang="en-US"/>
           </a:p>
@@ -594,7 +594,7 @@
           <a:p>
             <a:fld id="{6E0D973A-CAE9-470B-B4B7-5C9B3EEC771A}" type="datetimeFigureOut">
               <a:rPr lang="zh-TW" altLang="en-US" smtClean="0"/>
-              <a:t>2018/4/4</a:t>
+              <a:t>2018/4/9</a:t>
             </a:fld>
             <a:endParaRPr lang="zh-TW" altLang="en-US"/>
           </a:p>
@@ -764,7 +764,7 @@
           <a:p>
             <a:fld id="{6E0D973A-CAE9-470B-B4B7-5C9B3EEC771A}" type="datetimeFigureOut">
               <a:rPr lang="zh-TW" altLang="en-US" smtClean="0"/>
-              <a:t>2018/4/4</a:t>
+              <a:t>2018/4/9</a:t>
             </a:fld>
             <a:endParaRPr lang="zh-TW" altLang="en-US"/>
           </a:p>
@@ -1010,7 +1010,7 @@
           <a:p>
             <a:fld id="{6E0D973A-CAE9-470B-B4B7-5C9B3EEC771A}" type="datetimeFigureOut">
               <a:rPr lang="zh-TW" altLang="en-US" smtClean="0"/>
-              <a:t>2018/4/4</a:t>
+              <a:t>2018/4/9</a:t>
             </a:fld>
             <a:endParaRPr lang="zh-TW" altLang="en-US"/>
           </a:p>
@@ -1242,7 +1242,7 @@
           <a:p>
             <a:fld id="{6E0D973A-CAE9-470B-B4B7-5C9B3EEC771A}" type="datetimeFigureOut">
               <a:rPr lang="zh-TW" altLang="en-US" smtClean="0"/>
-              <a:t>2018/4/4</a:t>
+              <a:t>2018/4/9</a:t>
             </a:fld>
             <a:endParaRPr lang="zh-TW" altLang="en-US"/>
           </a:p>
@@ -1609,7 +1609,7 @@
           <a:p>
             <a:fld id="{6E0D973A-CAE9-470B-B4B7-5C9B3EEC771A}" type="datetimeFigureOut">
               <a:rPr lang="zh-TW" altLang="en-US" smtClean="0"/>
-              <a:t>2018/4/4</a:t>
+              <a:t>2018/4/9</a:t>
             </a:fld>
             <a:endParaRPr lang="zh-TW" altLang="en-US"/>
           </a:p>
@@ -1727,7 +1727,7 @@
           <a:p>
             <a:fld id="{6E0D973A-CAE9-470B-B4B7-5C9B3EEC771A}" type="datetimeFigureOut">
               <a:rPr lang="zh-TW" altLang="en-US" smtClean="0"/>
-              <a:t>2018/4/4</a:t>
+              <a:t>2018/4/9</a:t>
             </a:fld>
             <a:endParaRPr lang="zh-TW" altLang="en-US"/>
           </a:p>
@@ -1822,7 +1822,7 @@
           <a:p>
             <a:fld id="{6E0D973A-CAE9-470B-B4B7-5C9B3EEC771A}" type="datetimeFigureOut">
               <a:rPr lang="zh-TW" altLang="en-US" smtClean="0"/>
-              <a:t>2018/4/4</a:t>
+              <a:t>2018/4/9</a:t>
             </a:fld>
             <a:endParaRPr lang="zh-TW" altLang="en-US"/>
           </a:p>
@@ -2099,7 +2099,7 @@
           <a:p>
             <a:fld id="{6E0D973A-CAE9-470B-B4B7-5C9B3EEC771A}" type="datetimeFigureOut">
               <a:rPr lang="zh-TW" altLang="en-US" smtClean="0"/>
-              <a:t>2018/4/4</a:t>
+              <a:t>2018/4/9</a:t>
             </a:fld>
             <a:endParaRPr lang="zh-TW" altLang="en-US"/>
           </a:p>
@@ -2352,7 +2352,7 @@
           <a:p>
             <a:fld id="{6E0D973A-CAE9-470B-B4B7-5C9B3EEC771A}" type="datetimeFigureOut">
               <a:rPr lang="zh-TW" altLang="en-US" smtClean="0"/>
-              <a:t>2018/4/4</a:t>
+              <a:t>2018/4/9</a:t>
             </a:fld>
             <a:endParaRPr lang="zh-TW" altLang="en-US"/>
           </a:p>
@@ -2565,7 +2565,7 @@
           <a:p>
             <a:fld id="{6E0D973A-CAE9-470B-B4B7-5C9B3EEC771A}" type="datetimeFigureOut">
               <a:rPr lang="zh-TW" altLang="en-US" smtClean="0"/>
-              <a:t>2018/4/4</a:t>
+              <a:t>2018/4/9</a:t>
             </a:fld>
             <a:endParaRPr lang="zh-TW" altLang="en-US"/>
           </a:p>
@@ -3614,8 +3614,8 @@
         </p:nvSpPr>
         <p:spPr>
           <a:xfrm>
-            <a:off x="2511170" y="1496968"/>
-            <a:ext cx="2236446" cy="400110"/>
+            <a:off x="2346186" y="1496968"/>
+            <a:ext cx="2372765" cy="400110"/>
           </a:xfrm>
           <a:prstGeom prst="rect">
             <a:avLst/>
@@ -3647,21 +3647,57 @@
                 <a:latin typeface="Times New Roman" panose="02020603050405020304" pitchFamily="18" charset="0"/>
                 <a:ea typeface="SimSun" panose="02010600030101010101" pitchFamily="2" charset="-122"/>
               </a:rPr>
-              <a:t> </a:t>
+              <a:t> 标签建置</a:t>
+            </a:r>
+            <a:endParaRPr lang="en-US" altLang="zh-TW" sz="2000" dirty="0" smtClean="0">
+              <a:latin typeface="Times New Roman" panose="02020603050405020304" pitchFamily="18" charset="0"/>
+              <a:ea typeface="SimSun" panose="02010600030101010101" pitchFamily="2" charset="-122"/>
+            </a:endParaRPr>
+          </a:p>
+        </p:txBody>
+      </p:sp>
+      <p:sp>
+        <p:nvSpPr>
+          <p:cNvPr id="40" name="矩形 39"/>
+          <p:cNvSpPr/>
+          <p:nvPr/>
+        </p:nvSpPr>
+        <p:spPr>
+          <a:xfrm>
+            <a:off x="4926010" y="1893359"/>
+            <a:ext cx="2372765" cy="400110"/>
+          </a:xfrm>
+          <a:prstGeom prst="rect">
+            <a:avLst/>
+          </a:prstGeom>
+        </p:spPr>
+        <p:txBody>
+          <a:bodyPr wrap="none">
+            <a:spAutoFit/>
+          </a:bodyPr>
+          <a:lstStyle/>
+          <a:p>
+            <a:pPr algn="ctr"/>
+            <a:r>
+              <a:rPr lang="zh-TW" altLang="en-US" sz="2000" dirty="0" smtClean="0">
+                <a:latin typeface="Times New Roman" panose="02020603050405020304" pitchFamily="18" charset="0"/>
+                <a:ea typeface="SimSun" panose="02010600030101010101" pitchFamily="2" charset="-122"/>
+              </a:rPr>
+              <a:t>读取商品</a:t>
             </a:r>
             <a:r>
               <a:rPr lang="en-US" altLang="zh-TW" sz="2000" dirty="0" smtClean="0">
                 <a:latin typeface="Times New Roman" panose="02020603050405020304" pitchFamily="18" charset="0"/>
                 <a:ea typeface="SimSun" panose="02010600030101010101" pitchFamily="2" charset="-122"/>
               </a:rPr>
-              <a:t>Tag</a:t>
+              <a:t>RFID</a:t>
             </a:r>
             <a:r>
               <a:rPr lang="zh-TW" altLang="en-US" sz="2000" dirty="0" smtClean="0">
                 <a:latin typeface="Times New Roman" panose="02020603050405020304" pitchFamily="18" charset="0"/>
                 <a:ea typeface="SimSun" panose="02010600030101010101" pitchFamily="2" charset="-122"/>
               </a:rPr>
-              <a:t>建置</a:t>
+              <a:t> 标签</a:t>
             </a:r>
             <a:endParaRPr lang="en-US" altLang="zh-TW" sz="2000" dirty="0" smtClean="0">
               <a:latin typeface="Times New Roman" panose="02020603050405020304" pitchFamily="18" charset="0"/>
@@ -3672,14 +3708,14 @@
       </p:sp>
       <p:sp>
         <p:nvSpPr>
-          <p:cNvPr id="40" name="矩形 39"/>
+          <p:cNvPr id="41" name="矩形 40"/>
           <p:cNvSpPr/>
           <p:nvPr/>
         </p:nvSpPr>
         <p:spPr>
           <a:xfrm>
-            <a:off x="4994170" y="1893359"/>
-            <a:ext cx="2236446" cy="400110"/>
+            <a:off x="1973661" y="2460992"/>
+            <a:ext cx="3304110" cy="400110"/>
           </a:xfrm>
           <a:prstGeom prst="rect">
             <a:avLst/>
@@ -3692,72 +3728,33 @@
           <a:lstStyle/>
           <a:p>
             <a:pPr algn="ctr"/>
-            <a:r>
-              <a:rPr lang="zh-TW" altLang="en-US" sz="2000" smtClean="0">
-                <a:latin typeface="Times New Roman" panose="02020603050405020304" pitchFamily="18" charset="0"/>
-                <a:ea typeface="SimSun" panose="02010600030101010101" pitchFamily="2" charset="-122"/>
-              </a:rPr>
-              <a:t>读取商品</a:t>
-            </a:r>
-            <a:r>
-              <a:rPr lang="en-US" altLang="zh-TW" sz="2000" smtClean="0">
-                <a:latin typeface="Times New Roman" panose="02020603050405020304" pitchFamily="18" charset="0"/>
-                <a:ea typeface="SimSun" panose="02010600030101010101" pitchFamily="2" charset="-122"/>
-              </a:rPr>
-              <a:t>RFID</a:t>
-            </a:r>
-            <a:r>
-              <a:rPr lang="zh-TW" altLang="en-US" sz="2000" smtClean="0">
-                <a:latin typeface="Times New Roman" panose="02020603050405020304" pitchFamily="18" charset="0"/>
-                <a:ea typeface="SimSun" panose="02010600030101010101" pitchFamily="2" charset="-122"/>
-              </a:rPr>
-              <a:t> </a:t>
-            </a:r>
             <a:r>
               <a:rPr lang="en-US" altLang="zh-TW" sz="2000" dirty="0" smtClean="0">
                 <a:latin typeface="Times New Roman" panose="02020603050405020304" pitchFamily="18" charset="0"/>
                 <a:ea typeface="SimSun" panose="02010600030101010101" pitchFamily="2" charset="-122"/>
               </a:rPr>
-              <a:t>Tag</a:t>
-            </a:r>
-          </a:p>
-        </p:txBody>
-      </p:sp>
-      <p:sp>
-        <p:nvSpPr>
-          <p:cNvPr id="41" name="矩形 40"/>
-          <p:cNvSpPr/>
-          <p:nvPr/>
-        </p:nvSpPr>
-        <p:spPr>
-          <a:xfrm>
-            <a:off x="2005721" y="2460992"/>
-            <a:ext cx="3239990" cy="400110"/>
-          </a:xfrm>
-          <a:prstGeom prst="rect">
-            <a:avLst/>
-          </a:prstGeom>
-        </p:spPr>
-        <p:txBody>
-          <a:bodyPr wrap="none">
-            <a:spAutoFit/>
-          </a:bodyPr>
-          <a:lstStyle/>
-          <a:p>
-            <a:pPr algn="ctr"/>
+              <a:t>Android </a:t>
+            </a:r>
             <a:r>
               <a:rPr lang="en-US" altLang="zh-TW" sz="2000" dirty="0" smtClean="0">
                 <a:latin typeface="Times New Roman" panose="02020603050405020304" pitchFamily="18" charset="0"/>
                 <a:ea typeface="SimSun" panose="02010600030101010101" pitchFamily="2" charset="-122"/>
               </a:rPr>
-              <a:t>Android Beam</a:t>
+              <a:t>Beam</a:t>
             </a:r>
             <a:r>
               <a:rPr lang="zh-TW" altLang="en-US" sz="2000" dirty="0" smtClean="0">
                 <a:latin typeface="Times New Roman" panose="02020603050405020304" pitchFamily="18" charset="0"/>
                 <a:ea typeface="SimSun" panose="02010600030101010101" pitchFamily="2" charset="-122"/>
               </a:rPr>
-              <a:t>传输商品交易</a:t>
+              <a:t> 传</a:t>
+            </a:r>
+            <a:r>
+              <a:rPr lang="zh-TW" altLang="en-US" sz="2000" dirty="0" smtClean="0">
+                <a:latin typeface="Times New Roman" panose="02020603050405020304" pitchFamily="18" charset="0"/>
+                <a:ea typeface="SimSun" panose="02010600030101010101" pitchFamily="2" charset="-122"/>
+              </a:rPr>
+              <a:t>输商品交易</a:t>
             </a:r>
             <a:endParaRPr lang="en-US" altLang="zh-TW" sz="2000" dirty="0" smtClean="0">
               <a:latin typeface="Times New Roman" panose="02020603050405020304" pitchFamily="18" charset="0"/>
@@ -3983,7 +3980,7 @@
           <a:p>
             <a:pPr algn="ctr"/>
             <a:r>
-              <a:rPr lang="zh-TW" altLang="en-US" sz="2000" smtClean="0">
+              <a:rPr lang="zh-TW" altLang="en-US" sz="2000" dirty="0" smtClean="0">
                 <a:latin typeface="Times New Roman" panose="02020603050405020304" pitchFamily="18" charset="0"/>
                 <a:ea typeface="SimSun" panose="02010600030101010101" pitchFamily="2" charset="-122"/>
               </a:rPr>
